--- a/Capstone Option 1 .pptx
+++ b/Capstone Option 1 .pptx
@@ -7,6 +7,13 @@
   <p:sldIdLst>
     <p:sldId id="256" r:id="rId2"/>
     <p:sldId id="257" r:id="rId3"/>
+    <p:sldId id="258" r:id="rId4"/>
+    <p:sldId id="259" r:id="rId5"/>
+    <p:sldId id="260" r:id="rId6"/>
+    <p:sldId id="261" r:id="rId7"/>
+    <p:sldId id="262" r:id="rId8"/>
+    <p:sldId id="263" r:id="rId9"/>
+    <p:sldId id="264" r:id="rId10"/>
   </p:sldIdLst>
   <p:sldSz cx="12192000" cy="6858000"/>
   <p:notesSz cx="6858000" cy="9144000"/>
@@ -105,6 +112,11 @@
       </a:defRPr>
     </a:lvl9pPr>
   </p:defaultTextStyle>
+  <p:extLst>
+    <p:ext uri="{EFAFB233-063F-42B5-8137-9DF3F51BA10A}">
+      <p15:sldGuideLst xmlns:p15="http://schemas.microsoft.com/office/powerpoint/2012/main"/>
+    </p:ext>
+  </p:extLst>
 </p:presentation>
 </file>
 
@@ -255,7 +267,7 @@
           <a:p>
             <a:fld id="{12F14269-4AFB-6C42-83E7-F4216CD29921}" type="datetimeFigureOut">
               <a:rPr lang="en-US" smtClean="0"/>
-              <a:t>4/30/18</a:t>
+              <a:t>5/1/18</a:t>
             </a:fld>
             <a:endParaRPr lang="en-US"/>
           </a:p>
@@ -453,7 +465,7 @@
           <a:p>
             <a:fld id="{12F14269-4AFB-6C42-83E7-F4216CD29921}" type="datetimeFigureOut">
               <a:rPr lang="en-US" smtClean="0"/>
-              <a:t>4/30/18</a:t>
+              <a:t>5/1/18</a:t>
             </a:fld>
             <a:endParaRPr lang="en-US"/>
           </a:p>
@@ -661,7 +673,7 @@
           <a:p>
             <a:fld id="{12F14269-4AFB-6C42-83E7-F4216CD29921}" type="datetimeFigureOut">
               <a:rPr lang="en-US" smtClean="0"/>
-              <a:t>4/30/18</a:t>
+              <a:t>5/1/18</a:t>
             </a:fld>
             <a:endParaRPr lang="en-US"/>
           </a:p>
@@ -859,7 +871,7 @@
           <a:p>
             <a:fld id="{12F14269-4AFB-6C42-83E7-F4216CD29921}" type="datetimeFigureOut">
               <a:rPr lang="en-US" smtClean="0"/>
-              <a:t>4/30/18</a:t>
+              <a:t>5/1/18</a:t>
             </a:fld>
             <a:endParaRPr lang="en-US"/>
           </a:p>
@@ -1134,7 +1146,7 @@
           <a:p>
             <a:fld id="{12F14269-4AFB-6C42-83E7-F4216CD29921}" type="datetimeFigureOut">
               <a:rPr lang="en-US" smtClean="0"/>
-              <a:t>4/30/18</a:t>
+              <a:t>5/1/18</a:t>
             </a:fld>
             <a:endParaRPr lang="en-US"/>
           </a:p>
@@ -1399,7 +1411,7 @@
           <a:p>
             <a:fld id="{12F14269-4AFB-6C42-83E7-F4216CD29921}" type="datetimeFigureOut">
               <a:rPr lang="en-US" smtClean="0"/>
-              <a:t>4/30/18</a:t>
+              <a:t>5/1/18</a:t>
             </a:fld>
             <a:endParaRPr lang="en-US"/>
           </a:p>
@@ -1811,7 +1823,7 @@
           <a:p>
             <a:fld id="{12F14269-4AFB-6C42-83E7-F4216CD29921}" type="datetimeFigureOut">
               <a:rPr lang="en-US" smtClean="0"/>
-              <a:t>4/30/18</a:t>
+              <a:t>5/1/18</a:t>
             </a:fld>
             <a:endParaRPr lang="en-US"/>
           </a:p>
@@ -1952,7 +1964,7 @@
           <a:p>
             <a:fld id="{12F14269-4AFB-6C42-83E7-F4216CD29921}" type="datetimeFigureOut">
               <a:rPr lang="en-US" smtClean="0"/>
-              <a:t>4/30/18</a:t>
+              <a:t>5/1/18</a:t>
             </a:fld>
             <a:endParaRPr lang="en-US"/>
           </a:p>
@@ -2065,7 +2077,7 @@
           <a:p>
             <a:fld id="{12F14269-4AFB-6C42-83E7-F4216CD29921}" type="datetimeFigureOut">
               <a:rPr lang="en-US" smtClean="0"/>
-              <a:t>4/30/18</a:t>
+              <a:t>5/1/18</a:t>
             </a:fld>
             <a:endParaRPr lang="en-US"/>
           </a:p>
@@ -2376,7 +2388,7 @@
           <a:p>
             <a:fld id="{12F14269-4AFB-6C42-83E7-F4216CD29921}" type="datetimeFigureOut">
               <a:rPr lang="en-US" smtClean="0"/>
-              <a:t>4/30/18</a:t>
+              <a:t>5/1/18</a:t>
             </a:fld>
             <a:endParaRPr lang="en-US"/>
           </a:p>
@@ -2664,7 +2676,7 @@
           <a:p>
             <a:fld id="{12F14269-4AFB-6C42-83E7-F4216CD29921}" type="datetimeFigureOut">
               <a:rPr lang="en-US" smtClean="0"/>
-              <a:t>4/30/18</a:t>
+              <a:t>5/1/18</a:t>
             </a:fld>
             <a:endParaRPr lang="en-US"/>
           </a:p>
@@ -2905,7 +2917,7 @@
           <a:p>
             <a:fld id="{12F14269-4AFB-6C42-83E7-F4216CD29921}" type="datetimeFigureOut">
               <a:rPr lang="en-US" smtClean="0"/>
-              <a:t>4/30/18</a:t>
+              <a:t>5/1/18</a:t>
             </a:fld>
             <a:endParaRPr lang="en-US"/>
           </a:p>
@@ -3344,20 +3356,17 @@
           <a:lstStyle/>
           <a:p>
             <a:r>
-              <a:rPr lang="en-US" dirty="0" err="1"/>
+              <a:rPr lang="en-US" b="1" dirty="0" err="1"/>
               <a:t>MuscleHub</a:t>
             </a:r>
             <a:r>
-              <a:rPr lang="en-US" dirty="0"/>
+              <a:rPr lang="en-US" b="1" dirty="0"/>
               <a:t> A/B Test</a:t>
             </a:r>
             <a:br>
-              <a:rPr lang="en-US" dirty="0"/>
+              <a:rPr lang="en-US" b="1" dirty="0"/>
             </a:br>
-            <a:r>
-              <a:rPr lang="en-US" dirty="0"/>
-              <a:t>Overview</a:t>
-            </a:r>
+            <a:endParaRPr lang="en-US" b="1" dirty="0"/>
           </a:p>
         </p:txBody>
       </p:sp>
@@ -3396,28 +3405,74 @@
           </a:p>
           <a:p>
             <a:r>
-              <a:rPr lang="en-US" dirty="0" err="1"/>
+              <a:rPr lang="en-US" b="1" dirty="0" err="1"/>
               <a:t>CodeAcademy</a:t>
             </a:r>
             <a:r>
-              <a:rPr lang="en-US" dirty="0"/>
+              <a:rPr lang="en-US" b="1" dirty="0"/>
               <a:t> Student </a:t>
             </a:r>
           </a:p>
           <a:p>
             <a:r>
-              <a:rPr lang="en-US" dirty="0"/>
+              <a:rPr lang="en-US" b="1" dirty="0"/>
               <a:t>and </a:t>
             </a:r>
           </a:p>
           <a:p>
             <a:r>
-              <a:rPr lang="en-US" dirty="0"/>
+              <a:rPr lang="en-US" b="1" dirty="0"/>
               <a:t>Aspiring Data Scientist </a:t>
             </a:r>
           </a:p>
         </p:txBody>
       </p:sp>
+      <p:pic>
+        <p:nvPicPr>
+          <p:cNvPr id="7" name="Picture 6">
+            <a:extLst>
+              <a:ext uri="{FF2B5EF4-FFF2-40B4-BE49-F238E27FC236}">
+                <a16:creationId xmlns:a16="http://schemas.microsoft.com/office/drawing/2014/main" id="{DF50D2AE-21A2-1C47-B36B-89FD3A01B125}"/>
+              </a:ext>
+            </a:extLst>
+          </p:cNvPr>
+          <p:cNvPicPr>
+            <a:picLocks noChangeAspect="1"/>
+          </p:cNvPicPr>
+          <p:nvPr/>
+        </p:nvPicPr>
+        <p:blipFill>
+          <a:blip r:embed="rId2">
+            <a:alphaModFix amt="35000"/>
+            <a:extLst>
+              <a:ext uri="{BEBA8EAE-BF5A-486C-A8C5-ECC9F3942E4B}">
+                <a14:imgProps xmlns:a14="http://schemas.microsoft.com/office/drawing/2010/main">
+                  <a14:imgLayer>
+                    <a14:imgEffect>
+                      <a14:artisticCrisscrossEtching/>
+                    </a14:imgEffect>
+                    <a14:imgEffect>
+                      <a14:brightnessContrast bright="-40000"/>
+                    </a14:imgEffect>
+                  </a14:imgLayer>
+                </a14:imgProps>
+              </a:ext>
+            </a:extLst>
+          </a:blip>
+          <a:stretch>
+            <a:fillRect/>
+          </a:stretch>
+        </p:blipFill>
+        <p:spPr>
+          <a:xfrm>
+            <a:off x="1016000" y="50800"/>
+            <a:ext cx="10160000" cy="6756400"/>
+          </a:xfrm>
+          <a:prstGeom prst="rect">
+            <a:avLst/>
+          </a:prstGeom>
+        </p:spPr>
+      </p:pic>
     </p:spTree>
     <p:extLst>
       <p:ext uri="{BB962C8B-B14F-4D97-AF65-F5344CB8AC3E}">
@@ -3574,12 +3629,36 @@
             <a:pPr lvl="1"/>
             <a:r>
               <a:rPr lang="en-US" dirty="0"/>
-              <a:t>Payment is submitted for their first </a:t>
-            </a:r>
-            <a:r>
-              <a:rPr lang="en-US"/>
-              <a:t>month’s membership</a:t>
-            </a:r>
+              <a:t>Payment is submitted for their first month’s membership</a:t>
+            </a:r>
+          </a:p>
+          <a:p>
+            <a:pPr marL="457200" indent="-457200">
+              <a:buFont typeface="+mj-lt"/>
+              <a:buAutoNum type="arabicPeriod"/>
+            </a:pPr>
+            <a:r>
+              <a:rPr lang="en-US" dirty="0"/>
+              <a:t>Issue</a:t>
+            </a:r>
+          </a:p>
+          <a:p>
+            <a:pPr lvl="1"/>
+            <a:r>
+              <a:rPr lang="en-US" dirty="0"/>
+              <a:t>Management believes that the current fitness test intimidates some prospective members</a:t>
+            </a:r>
+          </a:p>
+          <a:p>
+            <a:pPr lvl="1"/>
+            <a:r>
+              <a:rPr lang="en-US" dirty="0"/>
+              <a:t>A/B Test is needed to determine if the fitness test discourages membership</a:t>
+            </a:r>
+          </a:p>
+          <a:p>
+            <a:pPr lvl="1"/>
+            <a:endParaRPr lang="en-US" dirty="0"/>
           </a:p>
           <a:p>
             <a:pPr marL="514350" indent="-514350">
@@ -3594,6 +3673,1128 @@
     <p:extLst>
       <p:ext uri="{BB962C8B-B14F-4D97-AF65-F5344CB8AC3E}">
         <p14:creationId xmlns:p14="http://schemas.microsoft.com/office/powerpoint/2010/main" val="1722920234"/>
+      </p:ext>
+    </p:extLst>
+  </p:cSld>
+  <p:clrMapOvr>
+    <a:masterClrMapping/>
+  </p:clrMapOvr>
+</p:sld>
+</file>
+
+<file path=ppt/slides/slide3.xml><?xml version="1.0" encoding="utf-8"?>
+<p:sld xmlns:a="http://schemas.openxmlformats.org/drawingml/2006/main" xmlns:r="http://schemas.openxmlformats.org/officeDocument/2006/relationships" xmlns:p="http://schemas.openxmlformats.org/presentationml/2006/main">
+  <p:cSld>
+    <p:spTree>
+      <p:nvGrpSpPr>
+        <p:cNvPr id="1" name=""/>
+        <p:cNvGrpSpPr/>
+        <p:nvPr/>
+      </p:nvGrpSpPr>
+      <p:grpSpPr>
+        <a:xfrm>
+          <a:off x="0" y="0"/>
+          <a:ext cx="0" cy="0"/>
+          <a:chOff x="0" y="0"/>
+          <a:chExt cx="0" cy="0"/>
+        </a:xfrm>
+      </p:grpSpPr>
+      <p:sp>
+        <p:nvSpPr>
+          <p:cNvPr id="2" name="Title 1">
+            <a:extLst>
+              <a:ext uri="{FF2B5EF4-FFF2-40B4-BE49-F238E27FC236}">
+                <a16:creationId xmlns:a16="http://schemas.microsoft.com/office/drawing/2014/main" id="{DD074A03-9A4A-2848-B781-96D6031BBAB8}"/>
+              </a:ext>
+            </a:extLst>
+          </p:cNvPr>
+          <p:cNvSpPr>
+            <a:spLocks noGrp="1"/>
+          </p:cNvSpPr>
+          <p:nvPr>
+            <p:ph type="title"/>
+          </p:nvPr>
+        </p:nvSpPr>
+        <p:spPr/>
+        <p:txBody>
+          <a:bodyPr/>
+          <a:lstStyle/>
+          <a:p>
+            <a:pPr algn="ctr"/>
+            <a:r>
+              <a:rPr lang="en-US" dirty="0"/>
+              <a:t>A/B Testing Overview</a:t>
+            </a:r>
+          </a:p>
+        </p:txBody>
+      </p:sp>
+      <p:sp>
+        <p:nvSpPr>
+          <p:cNvPr id="3" name="Content Placeholder 2">
+            <a:extLst>
+              <a:ext uri="{FF2B5EF4-FFF2-40B4-BE49-F238E27FC236}">
+                <a16:creationId xmlns:a16="http://schemas.microsoft.com/office/drawing/2014/main" id="{750CD0CF-646F-4844-9134-8ED15D1D6BC7}"/>
+              </a:ext>
+            </a:extLst>
+          </p:cNvPr>
+          <p:cNvSpPr>
+            <a:spLocks noGrp="1"/>
+          </p:cNvSpPr>
+          <p:nvPr>
+            <p:ph idx="1"/>
+          </p:nvPr>
+        </p:nvSpPr>
+        <p:spPr/>
+        <p:txBody>
+          <a:bodyPr/>
+          <a:lstStyle/>
+          <a:p>
+            <a:r>
+              <a:rPr lang="en-US" dirty="0"/>
+              <a:t>Conducted on visits to the facility occurring on or after 7/1/17</a:t>
+            </a:r>
+          </a:p>
+          <a:p>
+            <a:r>
+              <a:rPr lang="en-US" dirty="0"/>
+              <a:t>Visitors are grouped by:</a:t>
+            </a:r>
+          </a:p>
+          <a:p>
+            <a:pPr lvl="1"/>
+            <a:r>
+              <a:rPr lang="en-US" dirty="0"/>
+              <a:t> Fitness Test</a:t>
+            </a:r>
+          </a:p>
+          <a:p>
+            <a:pPr lvl="1"/>
+            <a:r>
+              <a:rPr lang="en-US" dirty="0"/>
+              <a:t> No Fitness Test</a:t>
+            </a:r>
+          </a:p>
+          <a:p>
+            <a:r>
+              <a:rPr lang="en-US" dirty="0"/>
+              <a:t>A total of 3 areas were the main focus of the testing to determine:</a:t>
+            </a:r>
+          </a:p>
+          <a:p>
+            <a:pPr lvl="1"/>
+            <a:r>
+              <a:rPr lang="en-US" dirty="0"/>
+              <a:t>Who picked up an application by group</a:t>
+            </a:r>
+          </a:p>
+          <a:p>
+            <a:pPr lvl="1"/>
+            <a:r>
+              <a:rPr lang="en-US" dirty="0"/>
+              <a:t>Of those picking up an application - who purchases a membership</a:t>
+            </a:r>
+          </a:p>
+          <a:p>
+            <a:pPr lvl="1"/>
+            <a:r>
+              <a:rPr lang="en-US" dirty="0"/>
+              <a:t>Percent of all visitors to the facility that purchase a membership</a:t>
+            </a:r>
+          </a:p>
+          <a:p>
+            <a:pPr lvl="1"/>
+            <a:endParaRPr lang="en-US" dirty="0"/>
+          </a:p>
+          <a:p>
+            <a:endParaRPr lang="en-US" dirty="0"/>
+          </a:p>
+        </p:txBody>
+      </p:sp>
+    </p:spTree>
+    <p:extLst>
+      <p:ext uri="{BB962C8B-B14F-4D97-AF65-F5344CB8AC3E}">
+        <p14:creationId xmlns:p14="http://schemas.microsoft.com/office/powerpoint/2010/main" val="4037228661"/>
+      </p:ext>
+    </p:extLst>
+  </p:cSld>
+  <p:clrMapOvr>
+    <a:masterClrMapping/>
+  </p:clrMapOvr>
+</p:sld>
+</file>
+
+<file path=ppt/slides/slide4.xml><?xml version="1.0" encoding="utf-8"?>
+<p:sld xmlns:a="http://schemas.openxmlformats.org/drawingml/2006/main" xmlns:r="http://schemas.openxmlformats.org/officeDocument/2006/relationships" xmlns:p="http://schemas.openxmlformats.org/presentationml/2006/main">
+  <p:cSld>
+    <p:spTree>
+      <p:nvGrpSpPr>
+        <p:cNvPr id="1" name=""/>
+        <p:cNvGrpSpPr/>
+        <p:nvPr/>
+      </p:nvGrpSpPr>
+      <p:grpSpPr>
+        <a:xfrm>
+          <a:off x="0" y="0"/>
+          <a:ext cx="0" cy="0"/>
+          <a:chOff x="0" y="0"/>
+          <a:chExt cx="0" cy="0"/>
+        </a:xfrm>
+      </p:grpSpPr>
+      <p:sp>
+        <p:nvSpPr>
+          <p:cNvPr id="2" name="Title 1">
+            <a:extLst>
+              <a:ext uri="{FF2B5EF4-FFF2-40B4-BE49-F238E27FC236}">
+                <a16:creationId xmlns:a16="http://schemas.microsoft.com/office/drawing/2014/main" id="{AF686DC8-7402-8240-A83D-016DD1FD5F45}"/>
+              </a:ext>
+            </a:extLst>
+          </p:cNvPr>
+          <p:cNvSpPr>
+            <a:spLocks noGrp="1"/>
+          </p:cNvSpPr>
+          <p:nvPr>
+            <p:ph type="title"/>
+          </p:nvPr>
+        </p:nvSpPr>
+        <p:spPr/>
+        <p:txBody>
+          <a:bodyPr/>
+          <a:lstStyle/>
+          <a:p>
+            <a:pPr algn="ctr"/>
+            <a:r>
+              <a:rPr lang="en-US" dirty="0"/>
+              <a:t>A/B Testing Groups</a:t>
+            </a:r>
+          </a:p>
+        </p:txBody>
+      </p:sp>
+      <p:sp>
+        <p:nvSpPr>
+          <p:cNvPr id="3" name="Content Placeholder 2">
+            <a:extLst>
+              <a:ext uri="{FF2B5EF4-FFF2-40B4-BE49-F238E27FC236}">
+                <a16:creationId xmlns:a16="http://schemas.microsoft.com/office/drawing/2014/main" id="{D69E63E2-9DA6-3B4D-989A-468E954979DA}"/>
+              </a:ext>
+            </a:extLst>
+          </p:cNvPr>
+          <p:cNvSpPr>
+            <a:spLocks noGrp="1"/>
+          </p:cNvSpPr>
+          <p:nvPr>
+            <p:ph idx="1"/>
+          </p:nvPr>
+        </p:nvSpPr>
+        <p:spPr/>
+        <p:txBody>
+          <a:bodyPr/>
+          <a:lstStyle/>
+          <a:p>
+            <a:r>
+              <a:rPr lang="en-US" dirty="0"/>
+              <a:t>5004 Visitors to the facility were divided into two groups:</a:t>
+            </a:r>
+          </a:p>
+          <a:p>
+            <a:pPr lvl="1"/>
+            <a:r>
+              <a:rPr lang="en-US" dirty="0"/>
+              <a:t>Group A – 2504 Visitors taking the fitness test</a:t>
+            </a:r>
+          </a:p>
+          <a:p>
+            <a:pPr lvl="1"/>
+            <a:r>
+              <a:rPr lang="en-US" dirty="0"/>
+              <a:t>Group B – 2500 Visitors not taking the fitness test</a:t>
+            </a:r>
+          </a:p>
+          <a:p>
+            <a:pPr lvl="1"/>
+            <a:endParaRPr lang="en-US" dirty="0"/>
+          </a:p>
+          <a:p>
+            <a:pPr marL="457200" lvl="1" indent="0">
+              <a:buNone/>
+            </a:pPr>
+            <a:endParaRPr lang="en-US" dirty="0"/>
+          </a:p>
+        </p:txBody>
+      </p:sp>
+      <p:pic>
+        <p:nvPicPr>
+          <p:cNvPr id="5" name="Picture 4">
+            <a:extLst>
+              <a:ext uri="{FF2B5EF4-FFF2-40B4-BE49-F238E27FC236}">
+                <a16:creationId xmlns:a16="http://schemas.microsoft.com/office/drawing/2014/main" id="{3046E673-BD8C-F746-ABA8-3C99861AE451}"/>
+              </a:ext>
+            </a:extLst>
+          </p:cNvPr>
+          <p:cNvPicPr>
+            <a:picLocks noChangeAspect="1"/>
+          </p:cNvPicPr>
+          <p:nvPr/>
+        </p:nvPicPr>
+        <p:blipFill>
+          <a:blip r:embed="rId2"/>
+          <a:stretch>
+            <a:fillRect/>
+          </a:stretch>
+        </p:blipFill>
+        <p:spPr>
+          <a:xfrm>
+            <a:off x="2781300" y="3057525"/>
+            <a:ext cx="5486400" cy="3657600"/>
+          </a:xfrm>
+          <a:prstGeom prst="rect">
+            <a:avLst/>
+          </a:prstGeom>
+        </p:spPr>
+      </p:pic>
+    </p:spTree>
+    <p:extLst>
+      <p:ext uri="{BB962C8B-B14F-4D97-AF65-F5344CB8AC3E}">
+        <p14:creationId xmlns:p14="http://schemas.microsoft.com/office/powerpoint/2010/main" val="2293361768"/>
+      </p:ext>
+    </p:extLst>
+  </p:cSld>
+  <p:clrMapOvr>
+    <a:masterClrMapping/>
+  </p:clrMapOvr>
+</p:sld>
+</file>
+
+<file path=ppt/slides/slide5.xml><?xml version="1.0" encoding="utf-8"?>
+<p:sld xmlns:a="http://schemas.openxmlformats.org/drawingml/2006/main" xmlns:r="http://schemas.openxmlformats.org/officeDocument/2006/relationships" xmlns:p="http://schemas.openxmlformats.org/presentationml/2006/main">
+  <p:cSld>
+    <p:spTree>
+      <p:nvGrpSpPr>
+        <p:cNvPr id="1" name=""/>
+        <p:cNvGrpSpPr/>
+        <p:nvPr/>
+      </p:nvGrpSpPr>
+      <p:grpSpPr>
+        <a:xfrm>
+          <a:off x="0" y="0"/>
+          <a:ext cx="0" cy="0"/>
+          <a:chOff x="0" y="0"/>
+          <a:chExt cx="0" cy="0"/>
+        </a:xfrm>
+      </p:grpSpPr>
+      <p:sp>
+        <p:nvSpPr>
+          <p:cNvPr id="2" name="Title 1">
+            <a:extLst>
+              <a:ext uri="{FF2B5EF4-FFF2-40B4-BE49-F238E27FC236}">
+                <a16:creationId xmlns:a16="http://schemas.microsoft.com/office/drawing/2014/main" id="{7BE35B07-0286-F645-AC36-A792C0185202}"/>
+              </a:ext>
+            </a:extLst>
+          </p:cNvPr>
+          <p:cNvSpPr>
+            <a:spLocks noGrp="1"/>
+          </p:cNvSpPr>
+          <p:nvPr>
+            <p:ph type="title"/>
+          </p:nvPr>
+        </p:nvSpPr>
+        <p:spPr/>
+        <p:txBody>
+          <a:bodyPr/>
+          <a:lstStyle/>
+          <a:p>
+            <a:r>
+              <a:rPr lang="en-US" dirty="0"/>
+              <a:t>A/B Test #1: Who Picks Up an Application</a:t>
+            </a:r>
+          </a:p>
+        </p:txBody>
+      </p:sp>
+      <p:sp>
+        <p:nvSpPr>
+          <p:cNvPr id="3" name="Content Placeholder 2">
+            <a:extLst>
+              <a:ext uri="{FF2B5EF4-FFF2-40B4-BE49-F238E27FC236}">
+                <a16:creationId xmlns:a16="http://schemas.microsoft.com/office/drawing/2014/main" id="{A3380954-54FB-6542-994A-E97502F35363}"/>
+              </a:ext>
+            </a:extLst>
+          </p:cNvPr>
+          <p:cNvSpPr>
+            <a:spLocks noGrp="1"/>
+          </p:cNvSpPr>
+          <p:nvPr>
+            <p:ph idx="1"/>
+          </p:nvPr>
+        </p:nvSpPr>
+        <p:spPr>
+          <a:xfrm>
+            <a:off x="387274" y="1825624"/>
+            <a:ext cx="11409437" cy="4887147"/>
+          </a:xfrm>
+        </p:spPr>
+        <p:txBody>
+          <a:bodyPr/>
+          <a:lstStyle/>
+          <a:p>
+            <a:r>
+              <a:rPr lang="en-US" dirty="0"/>
+              <a:t>Visitors picking up an application:</a:t>
+            </a:r>
+          </a:p>
+          <a:p>
+            <a:pPr lvl="1"/>
+            <a:r>
+              <a:rPr lang="en-US" dirty="0"/>
+              <a:t>250 in Group A</a:t>
+            </a:r>
+          </a:p>
+          <a:p>
+            <a:pPr lvl="1"/>
+            <a:r>
+              <a:rPr lang="en-US" dirty="0"/>
+              <a:t>325 in Group B</a:t>
+            </a:r>
+          </a:p>
+          <a:p>
+            <a:r>
+              <a:rPr lang="en-US" dirty="0"/>
+              <a:t>Analysis Performed:</a:t>
+            </a:r>
+          </a:p>
+          <a:p>
+            <a:pPr lvl="1"/>
+            <a:r>
+              <a:rPr lang="en-US" dirty="0"/>
+              <a:t>Chi-Squared Test</a:t>
+            </a:r>
+          </a:p>
+          <a:p>
+            <a:pPr lvl="2"/>
+            <a:r>
+              <a:rPr lang="en-US" dirty="0"/>
+              <a:t>Two Groups being compared</a:t>
+            </a:r>
+          </a:p>
+          <a:p>
+            <a:pPr lvl="2"/>
+            <a:r>
+              <a:rPr lang="en-US" dirty="0"/>
+              <a:t>Two outcomes (Application vs No Application)</a:t>
+            </a:r>
+          </a:p>
+          <a:p>
+            <a:r>
+              <a:rPr lang="en-US" dirty="0"/>
+              <a:t>Result:</a:t>
+            </a:r>
+          </a:p>
+          <a:p>
+            <a:pPr lvl="1"/>
+            <a:r>
+              <a:rPr lang="en-US" dirty="0"/>
+              <a:t>P-Value = 0.0009647827600722304</a:t>
+            </a:r>
+          </a:p>
+          <a:p>
+            <a:pPr lvl="1"/>
+            <a:r>
+              <a:rPr lang="en-US" dirty="0">
+                <a:solidFill>
+                  <a:srgbClr val="FF0000"/>
+                </a:solidFill>
+              </a:rPr>
+              <a:t>Significant difference between groups</a:t>
+            </a:r>
+          </a:p>
+          <a:p>
+            <a:pPr marL="457200" lvl="1" indent="0">
+              <a:buNone/>
+            </a:pPr>
+            <a:endParaRPr lang="en-US" dirty="0"/>
+          </a:p>
+          <a:p>
+            <a:pPr lvl="2"/>
+            <a:endParaRPr lang="en-US" dirty="0"/>
+          </a:p>
+          <a:p>
+            <a:pPr lvl="1"/>
+            <a:endParaRPr lang="en-US" dirty="0"/>
+          </a:p>
+          <a:p>
+            <a:pPr marL="0" indent="0">
+              <a:buNone/>
+            </a:pPr>
+            <a:endParaRPr lang="en-US" dirty="0"/>
+          </a:p>
+        </p:txBody>
+      </p:sp>
+      <p:pic>
+        <p:nvPicPr>
+          <p:cNvPr id="7" name="Picture 6">
+            <a:extLst>
+              <a:ext uri="{FF2B5EF4-FFF2-40B4-BE49-F238E27FC236}">
+                <a16:creationId xmlns:a16="http://schemas.microsoft.com/office/drawing/2014/main" id="{29001A3B-B471-D945-B2A7-E5A46C057174}"/>
+              </a:ext>
+            </a:extLst>
+          </p:cNvPr>
+          <p:cNvPicPr>
+            <a:picLocks noChangeAspect="1"/>
+          </p:cNvPicPr>
+          <p:nvPr/>
+        </p:nvPicPr>
+        <p:blipFill>
+          <a:blip r:embed="rId2"/>
+          <a:stretch>
+            <a:fillRect/>
+          </a:stretch>
+        </p:blipFill>
+        <p:spPr>
+          <a:xfrm>
+            <a:off x="6417892" y="2813959"/>
+            <a:ext cx="5486400" cy="3657600"/>
+          </a:xfrm>
+          <a:prstGeom prst="rect">
+            <a:avLst/>
+          </a:prstGeom>
+        </p:spPr>
+      </p:pic>
+    </p:spTree>
+    <p:extLst>
+      <p:ext uri="{BB962C8B-B14F-4D97-AF65-F5344CB8AC3E}">
+        <p14:creationId xmlns:p14="http://schemas.microsoft.com/office/powerpoint/2010/main" val="1460656068"/>
+      </p:ext>
+    </p:extLst>
+  </p:cSld>
+  <p:clrMapOvr>
+    <a:masterClrMapping/>
+  </p:clrMapOvr>
+</p:sld>
+</file>
+
+<file path=ppt/slides/slide6.xml><?xml version="1.0" encoding="utf-8"?>
+<p:sld xmlns:a="http://schemas.openxmlformats.org/drawingml/2006/main" xmlns:r="http://schemas.openxmlformats.org/officeDocument/2006/relationships" xmlns:p="http://schemas.openxmlformats.org/presentationml/2006/main">
+  <p:cSld>
+    <p:spTree>
+      <p:nvGrpSpPr>
+        <p:cNvPr id="1" name=""/>
+        <p:cNvGrpSpPr/>
+        <p:nvPr/>
+      </p:nvGrpSpPr>
+      <p:grpSpPr>
+        <a:xfrm>
+          <a:off x="0" y="0"/>
+          <a:ext cx="0" cy="0"/>
+          <a:chOff x="0" y="0"/>
+          <a:chExt cx="0" cy="0"/>
+        </a:xfrm>
+      </p:grpSpPr>
+      <p:sp>
+        <p:nvSpPr>
+          <p:cNvPr id="2" name="Title 1">
+            <a:extLst>
+              <a:ext uri="{FF2B5EF4-FFF2-40B4-BE49-F238E27FC236}">
+                <a16:creationId xmlns:a16="http://schemas.microsoft.com/office/drawing/2014/main" id="{7BE35B07-0286-F645-AC36-A792C0185202}"/>
+              </a:ext>
+            </a:extLst>
+          </p:cNvPr>
+          <p:cNvSpPr>
+            <a:spLocks noGrp="1"/>
+          </p:cNvSpPr>
+          <p:nvPr>
+            <p:ph type="title"/>
+          </p:nvPr>
+        </p:nvSpPr>
+        <p:spPr/>
+        <p:txBody>
+          <a:bodyPr/>
+          <a:lstStyle/>
+          <a:p>
+            <a:r>
+              <a:rPr lang="en-US" dirty="0"/>
+              <a:t>A/B Test #2: Who Purchases a Membership</a:t>
+            </a:r>
+          </a:p>
+        </p:txBody>
+      </p:sp>
+      <p:sp>
+        <p:nvSpPr>
+          <p:cNvPr id="3" name="Content Placeholder 2">
+            <a:extLst>
+              <a:ext uri="{FF2B5EF4-FFF2-40B4-BE49-F238E27FC236}">
+                <a16:creationId xmlns:a16="http://schemas.microsoft.com/office/drawing/2014/main" id="{A3380954-54FB-6542-994A-E97502F35363}"/>
+              </a:ext>
+            </a:extLst>
+          </p:cNvPr>
+          <p:cNvSpPr>
+            <a:spLocks noGrp="1"/>
+          </p:cNvSpPr>
+          <p:nvPr>
+            <p:ph idx="1"/>
+          </p:nvPr>
+        </p:nvSpPr>
+        <p:spPr>
+          <a:xfrm>
+            <a:off x="387274" y="1825624"/>
+            <a:ext cx="11409437" cy="4887147"/>
+          </a:xfrm>
+        </p:spPr>
+        <p:txBody>
+          <a:bodyPr/>
+          <a:lstStyle/>
+          <a:p>
+            <a:r>
+              <a:rPr lang="en-US" dirty="0"/>
+              <a:t>Applicants purchasing a membership:</a:t>
+            </a:r>
+          </a:p>
+          <a:p>
+            <a:pPr lvl="1"/>
+            <a:r>
+              <a:rPr lang="en-US" dirty="0"/>
+              <a:t>200 in Group A</a:t>
+            </a:r>
+          </a:p>
+          <a:p>
+            <a:pPr lvl="1"/>
+            <a:r>
+              <a:rPr lang="en-US" dirty="0"/>
+              <a:t>250 in Group B</a:t>
+            </a:r>
+          </a:p>
+          <a:p>
+            <a:r>
+              <a:rPr lang="en-US" dirty="0"/>
+              <a:t>Analysis Performed:</a:t>
+            </a:r>
+          </a:p>
+          <a:p>
+            <a:pPr lvl="1"/>
+            <a:r>
+              <a:rPr lang="en-US" dirty="0"/>
+              <a:t>Chi-Squared Test</a:t>
+            </a:r>
+          </a:p>
+          <a:p>
+            <a:pPr lvl="2"/>
+            <a:r>
+              <a:rPr lang="en-US" dirty="0"/>
+              <a:t>Two Groups being compared</a:t>
+            </a:r>
+          </a:p>
+          <a:p>
+            <a:pPr lvl="2"/>
+            <a:r>
+              <a:rPr lang="en-US" dirty="0"/>
+              <a:t>Two outcomes (Member vs Not Member)</a:t>
+            </a:r>
+          </a:p>
+          <a:p>
+            <a:r>
+              <a:rPr lang="en-US" dirty="0"/>
+              <a:t>Result:</a:t>
+            </a:r>
+          </a:p>
+          <a:p>
+            <a:pPr lvl="1"/>
+            <a:r>
+              <a:rPr lang="en-US" dirty="0"/>
+              <a:t>P-Value = 0.43258646051083327</a:t>
+            </a:r>
+          </a:p>
+          <a:p>
+            <a:pPr lvl="1"/>
+            <a:r>
+              <a:rPr lang="en-US" dirty="0"/>
+              <a:t>No significant difference between groups</a:t>
+            </a:r>
+          </a:p>
+          <a:p>
+            <a:pPr marL="457200" lvl="1" indent="0">
+              <a:buNone/>
+            </a:pPr>
+            <a:endParaRPr lang="en-US" dirty="0"/>
+          </a:p>
+          <a:p>
+            <a:pPr lvl="2"/>
+            <a:endParaRPr lang="en-US" dirty="0"/>
+          </a:p>
+          <a:p>
+            <a:pPr lvl="1"/>
+            <a:endParaRPr lang="en-US" dirty="0"/>
+          </a:p>
+          <a:p>
+            <a:pPr marL="0" indent="0">
+              <a:buNone/>
+            </a:pPr>
+            <a:endParaRPr lang="en-US" dirty="0"/>
+          </a:p>
+        </p:txBody>
+      </p:sp>
+      <p:pic>
+        <p:nvPicPr>
+          <p:cNvPr id="5" name="Picture 4">
+            <a:extLst>
+              <a:ext uri="{FF2B5EF4-FFF2-40B4-BE49-F238E27FC236}">
+                <a16:creationId xmlns:a16="http://schemas.microsoft.com/office/drawing/2014/main" id="{39C04601-99D7-5440-87FC-1EC69981E7D6}"/>
+              </a:ext>
+            </a:extLst>
+          </p:cNvPr>
+          <p:cNvPicPr>
+            <a:picLocks noChangeAspect="1"/>
+          </p:cNvPicPr>
+          <p:nvPr/>
+        </p:nvPicPr>
+        <p:blipFill>
+          <a:blip r:embed="rId2"/>
+          <a:stretch>
+            <a:fillRect/>
+          </a:stretch>
+        </p:blipFill>
+        <p:spPr>
+          <a:xfrm>
+            <a:off x="6310311" y="2700338"/>
+            <a:ext cx="5486400" cy="3657600"/>
+          </a:xfrm>
+          <a:prstGeom prst="rect">
+            <a:avLst/>
+          </a:prstGeom>
+        </p:spPr>
+      </p:pic>
+    </p:spTree>
+    <p:extLst>
+      <p:ext uri="{BB962C8B-B14F-4D97-AF65-F5344CB8AC3E}">
+        <p14:creationId xmlns:p14="http://schemas.microsoft.com/office/powerpoint/2010/main" val="2541562005"/>
+      </p:ext>
+    </p:extLst>
+  </p:cSld>
+  <p:clrMapOvr>
+    <a:masterClrMapping/>
+  </p:clrMapOvr>
+</p:sld>
+</file>
+
+<file path=ppt/slides/slide7.xml><?xml version="1.0" encoding="utf-8"?>
+<p:sld xmlns:a="http://schemas.openxmlformats.org/drawingml/2006/main" xmlns:r="http://schemas.openxmlformats.org/officeDocument/2006/relationships" xmlns:p="http://schemas.openxmlformats.org/presentationml/2006/main">
+  <p:cSld>
+    <p:spTree>
+      <p:nvGrpSpPr>
+        <p:cNvPr id="1" name=""/>
+        <p:cNvGrpSpPr/>
+        <p:nvPr/>
+      </p:nvGrpSpPr>
+      <p:grpSpPr>
+        <a:xfrm>
+          <a:off x="0" y="0"/>
+          <a:ext cx="0" cy="0"/>
+          <a:chOff x="0" y="0"/>
+          <a:chExt cx="0" cy="0"/>
+        </a:xfrm>
+      </p:grpSpPr>
+      <p:sp>
+        <p:nvSpPr>
+          <p:cNvPr id="2" name="Title 1">
+            <a:extLst>
+              <a:ext uri="{FF2B5EF4-FFF2-40B4-BE49-F238E27FC236}">
+                <a16:creationId xmlns:a16="http://schemas.microsoft.com/office/drawing/2014/main" id="{7BE35B07-0286-F645-AC36-A792C0185202}"/>
+              </a:ext>
+            </a:extLst>
+          </p:cNvPr>
+          <p:cNvSpPr>
+            <a:spLocks noGrp="1"/>
+          </p:cNvSpPr>
+          <p:nvPr>
+            <p:ph type="title"/>
+          </p:nvPr>
+        </p:nvSpPr>
+        <p:spPr>
+          <a:xfrm>
+            <a:off x="548641" y="365125"/>
+            <a:ext cx="11248070" cy="1325563"/>
+          </a:xfrm>
+        </p:spPr>
+        <p:txBody>
+          <a:bodyPr/>
+          <a:lstStyle/>
+          <a:p>
+            <a:r>
+              <a:rPr lang="en-US" dirty="0"/>
+              <a:t>A/B Test #3: All Visitors Purchasing a Membership</a:t>
+            </a:r>
+          </a:p>
+        </p:txBody>
+      </p:sp>
+      <p:sp>
+        <p:nvSpPr>
+          <p:cNvPr id="3" name="Content Placeholder 2">
+            <a:extLst>
+              <a:ext uri="{FF2B5EF4-FFF2-40B4-BE49-F238E27FC236}">
+                <a16:creationId xmlns:a16="http://schemas.microsoft.com/office/drawing/2014/main" id="{A3380954-54FB-6542-994A-E97502F35363}"/>
+              </a:ext>
+            </a:extLst>
+          </p:cNvPr>
+          <p:cNvSpPr>
+            <a:spLocks noGrp="1"/>
+          </p:cNvSpPr>
+          <p:nvPr>
+            <p:ph idx="1"/>
+          </p:nvPr>
+        </p:nvSpPr>
+        <p:spPr>
+          <a:xfrm>
+            <a:off x="387274" y="1825624"/>
+            <a:ext cx="11409437" cy="4887147"/>
+          </a:xfrm>
+        </p:spPr>
+        <p:txBody>
+          <a:bodyPr/>
+          <a:lstStyle/>
+          <a:p>
+            <a:r>
+              <a:rPr lang="en-US" dirty="0"/>
+              <a:t>Total all visitors purchasing a membership:</a:t>
+            </a:r>
+          </a:p>
+          <a:p>
+            <a:pPr lvl="1"/>
+            <a:r>
+              <a:rPr lang="en-US" dirty="0"/>
+              <a:t>200 in Group A</a:t>
+            </a:r>
+          </a:p>
+          <a:p>
+            <a:pPr lvl="1"/>
+            <a:r>
+              <a:rPr lang="en-US" dirty="0"/>
+              <a:t>250 in Group B</a:t>
+            </a:r>
+          </a:p>
+          <a:p>
+            <a:r>
+              <a:rPr lang="en-US" dirty="0"/>
+              <a:t>Analysis Performed:</a:t>
+            </a:r>
+          </a:p>
+          <a:p>
+            <a:pPr lvl="1"/>
+            <a:r>
+              <a:rPr lang="en-US" dirty="0"/>
+              <a:t>Chi-Squared Test</a:t>
+            </a:r>
+          </a:p>
+          <a:p>
+            <a:pPr lvl="2"/>
+            <a:r>
+              <a:rPr lang="en-US" dirty="0"/>
+              <a:t>Two Groups being compared</a:t>
+            </a:r>
+          </a:p>
+          <a:p>
+            <a:pPr lvl="2"/>
+            <a:r>
+              <a:rPr lang="en-US" dirty="0"/>
+              <a:t>Two outcomes (Member vs Not Member)</a:t>
+            </a:r>
+          </a:p>
+          <a:p>
+            <a:r>
+              <a:rPr lang="en-US" dirty="0"/>
+              <a:t>Result:</a:t>
+            </a:r>
+          </a:p>
+          <a:p>
+            <a:pPr lvl="1"/>
+            <a:r>
+              <a:rPr lang="en-US" dirty="0"/>
+              <a:t>P-Value = 0.014724114645783203 </a:t>
+            </a:r>
+          </a:p>
+          <a:p>
+            <a:pPr lvl="1"/>
+            <a:r>
+              <a:rPr lang="en-US" dirty="0">
+                <a:solidFill>
+                  <a:srgbClr val="FF0000"/>
+                </a:solidFill>
+              </a:rPr>
+              <a:t>Significant difference between groups</a:t>
+            </a:r>
+          </a:p>
+          <a:p>
+            <a:pPr marL="457200" lvl="1" indent="0">
+              <a:buNone/>
+            </a:pPr>
+            <a:endParaRPr lang="en-US" dirty="0"/>
+          </a:p>
+          <a:p>
+            <a:pPr lvl="2"/>
+            <a:endParaRPr lang="en-US" dirty="0"/>
+          </a:p>
+          <a:p>
+            <a:pPr lvl="1"/>
+            <a:endParaRPr lang="en-US" dirty="0"/>
+          </a:p>
+          <a:p>
+            <a:pPr marL="0" indent="0">
+              <a:buNone/>
+            </a:pPr>
+            <a:endParaRPr lang="en-US" dirty="0"/>
+          </a:p>
+        </p:txBody>
+      </p:sp>
+      <p:pic>
+        <p:nvPicPr>
+          <p:cNvPr id="6" name="Picture 5">
+            <a:extLst>
+              <a:ext uri="{FF2B5EF4-FFF2-40B4-BE49-F238E27FC236}">
+                <a16:creationId xmlns:a16="http://schemas.microsoft.com/office/drawing/2014/main" id="{4FF68093-FC3B-3A41-81A2-0E70C1A98059}"/>
+              </a:ext>
+            </a:extLst>
+          </p:cNvPr>
+          <p:cNvPicPr>
+            <a:picLocks noChangeAspect="1"/>
+          </p:cNvPicPr>
+          <p:nvPr/>
+        </p:nvPicPr>
+        <p:blipFill>
+          <a:blip r:embed="rId2"/>
+          <a:stretch>
+            <a:fillRect/>
+          </a:stretch>
+        </p:blipFill>
+        <p:spPr>
+          <a:xfrm>
+            <a:off x="6410325" y="2677072"/>
+            <a:ext cx="5486400" cy="3657600"/>
+          </a:xfrm>
+          <a:prstGeom prst="rect">
+            <a:avLst/>
+          </a:prstGeom>
+        </p:spPr>
+      </p:pic>
+    </p:spTree>
+    <p:extLst>
+      <p:ext uri="{BB962C8B-B14F-4D97-AF65-F5344CB8AC3E}">
+        <p14:creationId xmlns:p14="http://schemas.microsoft.com/office/powerpoint/2010/main" val="1747570061"/>
+      </p:ext>
+    </p:extLst>
+  </p:cSld>
+  <p:clrMapOvr>
+    <a:masterClrMapping/>
+  </p:clrMapOvr>
+</p:sld>
+</file>
+
+<file path=ppt/slides/slide8.xml><?xml version="1.0" encoding="utf-8"?>
+<p:sld xmlns:a="http://schemas.openxmlformats.org/drawingml/2006/main" xmlns:r="http://schemas.openxmlformats.org/officeDocument/2006/relationships" xmlns:p="http://schemas.openxmlformats.org/presentationml/2006/main">
+  <p:cSld>
+    <p:spTree>
+      <p:nvGrpSpPr>
+        <p:cNvPr id="1" name=""/>
+        <p:cNvGrpSpPr/>
+        <p:nvPr/>
+      </p:nvGrpSpPr>
+      <p:grpSpPr>
+        <a:xfrm>
+          <a:off x="0" y="0"/>
+          <a:ext cx="0" cy="0"/>
+          <a:chOff x="0" y="0"/>
+          <a:chExt cx="0" cy="0"/>
+        </a:xfrm>
+      </p:grpSpPr>
+      <p:sp>
+        <p:nvSpPr>
+          <p:cNvPr id="2" name="Title 1">
+            <a:extLst>
+              <a:ext uri="{FF2B5EF4-FFF2-40B4-BE49-F238E27FC236}">
+                <a16:creationId xmlns:a16="http://schemas.microsoft.com/office/drawing/2014/main" id="{89CB1D03-797E-5A4C-ADFC-A4AA67FA874A}"/>
+              </a:ext>
+            </a:extLst>
+          </p:cNvPr>
+          <p:cNvSpPr>
+            <a:spLocks noGrp="1"/>
+          </p:cNvSpPr>
+          <p:nvPr>
+            <p:ph type="title"/>
+          </p:nvPr>
+        </p:nvSpPr>
+        <p:spPr/>
+        <p:txBody>
+          <a:bodyPr/>
+          <a:lstStyle/>
+          <a:p>
+            <a:pPr algn="ctr"/>
+            <a:r>
+              <a:rPr lang="en-US" dirty="0"/>
+              <a:t>A/B Testing Summary</a:t>
+            </a:r>
+          </a:p>
+        </p:txBody>
+      </p:sp>
+      <p:sp>
+        <p:nvSpPr>
+          <p:cNvPr id="3" name="Content Placeholder 2">
+            <a:extLst>
+              <a:ext uri="{FF2B5EF4-FFF2-40B4-BE49-F238E27FC236}">
+                <a16:creationId xmlns:a16="http://schemas.microsoft.com/office/drawing/2014/main" id="{27625AE4-2B89-F440-A0F9-12EA74D96F7C}"/>
+              </a:ext>
+            </a:extLst>
+          </p:cNvPr>
+          <p:cNvSpPr>
+            <a:spLocks noGrp="1"/>
+          </p:cNvSpPr>
+          <p:nvPr>
+            <p:ph idx="1"/>
+          </p:nvPr>
+        </p:nvSpPr>
+        <p:spPr/>
+        <p:txBody>
+          <a:bodyPr/>
+          <a:lstStyle/>
+          <a:p>
+            <a:pPr marL="0" indent="0">
+              <a:buNone/>
+            </a:pPr>
+            <a:r>
+              <a:rPr lang="en-US" dirty="0"/>
+              <a:t>A/B Test #1: Who Picks Up an Application:</a:t>
+            </a:r>
+          </a:p>
+          <a:p>
+            <a:pPr lvl="1"/>
+            <a:r>
+              <a:rPr lang="en-US" dirty="0"/>
+              <a:t>Visitors not taking the fitness test are more likely to take an application</a:t>
+            </a:r>
+          </a:p>
+          <a:p>
+            <a:pPr lvl="1"/>
+            <a:endParaRPr lang="en-US" dirty="0"/>
+          </a:p>
+          <a:p>
+            <a:pPr marL="0" indent="0">
+              <a:buNone/>
+            </a:pPr>
+            <a:r>
+              <a:rPr lang="en-US" dirty="0"/>
+              <a:t>A/B Test #2: Who Purchases a Membership</a:t>
+            </a:r>
+          </a:p>
+          <a:p>
+            <a:pPr lvl="1"/>
+            <a:r>
+              <a:rPr lang="en-US" dirty="0"/>
+              <a:t>Most visitors taking an application become members independent of the Fitness Test</a:t>
+            </a:r>
+          </a:p>
+          <a:p>
+            <a:pPr lvl="1"/>
+            <a:endParaRPr lang="en-US" dirty="0"/>
+          </a:p>
+          <a:p>
+            <a:pPr marL="0" indent="0">
+              <a:buNone/>
+            </a:pPr>
+            <a:r>
+              <a:rPr lang="en-US" dirty="0"/>
+              <a:t>A/B Test #3: All Visitors Purchasing a Membership</a:t>
+            </a:r>
+          </a:p>
+          <a:p>
+            <a:pPr lvl="1"/>
+            <a:r>
+              <a:rPr lang="en-US" dirty="0"/>
+              <a:t>Visitors to the facility are more likely to purchase a membership when they don’t take the Fitness Test</a:t>
+            </a:r>
+          </a:p>
+        </p:txBody>
+      </p:sp>
+    </p:spTree>
+    <p:extLst>
+      <p:ext uri="{BB962C8B-B14F-4D97-AF65-F5344CB8AC3E}">
+        <p14:creationId xmlns:p14="http://schemas.microsoft.com/office/powerpoint/2010/main" val="3014577262"/>
+      </p:ext>
+    </p:extLst>
+  </p:cSld>
+  <p:clrMapOvr>
+    <a:masterClrMapping/>
+  </p:clrMapOvr>
+</p:sld>
+</file>
+
+<file path=ppt/slides/slide9.xml><?xml version="1.0" encoding="utf-8"?>
+<p:sld xmlns:a="http://schemas.openxmlformats.org/drawingml/2006/main" xmlns:r="http://schemas.openxmlformats.org/officeDocument/2006/relationships" xmlns:p="http://schemas.openxmlformats.org/presentationml/2006/main">
+  <p:cSld>
+    <p:spTree>
+      <p:nvGrpSpPr>
+        <p:cNvPr id="1" name=""/>
+        <p:cNvGrpSpPr/>
+        <p:nvPr/>
+      </p:nvGrpSpPr>
+      <p:grpSpPr>
+        <a:xfrm>
+          <a:off x="0" y="0"/>
+          <a:ext cx="0" cy="0"/>
+          <a:chOff x="0" y="0"/>
+          <a:chExt cx="0" cy="0"/>
+        </a:xfrm>
+      </p:grpSpPr>
+      <p:sp>
+        <p:nvSpPr>
+          <p:cNvPr id="2" name="Title 1">
+            <a:extLst>
+              <a:ext uri="{FF2B5EF4-FFF2-40B4-BE49-F238E27FC236}">
+                <a16:creationId xmlns:a16="http://schemas.microsoft.com/office/drawing/2014/main" id="{C86459F4-911D-F040-BD31-22ACC6EBA821}"/>
+              </a:ext>
+            </a:extLst>
+          </p:cNvPr>
+          <p:cNvSpPr>
+            <a:spLocks noGrp="1"/>
+          </p:cNvSpPr>
+          <p:nvPr>
+            <p:ph type="title"/>
+          </p:nvPr>
+        </p:nvSpPr>
+        <p:spPr/>
+        <p:txBody>
+          <a:bodyPr/>
+          <a:lstStyle/>
+          <a:p>
+            <a:pPr algn="ctr"/>
+            <a:r>
+              <a:rPr lang="en-US" dirty="0"/>
+              <a:t>Recommendation</a:t>
+            </a:r>
+          </a:p>
+        </p:txBody>
+      </p:sp>
+      <p:sp>
+        <p:nvSpPr>
+          <p:cNvPr id="3" name="Content Placeholder 2">
+            <a:extLst>
+              <a:ext uri="{FF2B5EF4-FFF2-40B4-BE49-F238E27FC236}">
+                <a16:creationId xmlns:a16="http://schemas.microsoft.com/office/drawing/2014/main" id="{56154457-09F1-2C43-97CB-61552D00ED5A}"/>
+              </a:ext>
+            </a:extLst>
+          </p:cNvPr>
+          <p:cNvSpPr>
+            <a:spLocks noGrp="1"/>
+          </p:cNvSpPr>
+          <p:nvPr>
+            <p:ph idx="1"/>
+          </p:nvPr>
+        </p:nvSpPr>
+        <p:spPr/>
+        <p:txBody>
+          <a:bodyPr/>
+          <a:lstStyle/>
+          <a:p>
+            <a:endParaRPr lang="en-US" dirty="0"/>
+          </a:p>
+        </p:txBody>
+      </p:sp>
+    </p:spTree>
+    <p:extLst>
+      <p:ext uri="{BB962C8B-B14F-4D97-AF65-F5344CB8AC3E}">
+        <p14:creationId xmlns:p14="http://schemas.microsoft.com/office/powerpoint/2010/main" val="1344504735"/>
       </p:ext>
     </p:extLst>
   </p:cSld>
